--- a/credit ppt.pptx
+++ b/credit ppt.pptx
@@ -267,7 +267,7 @@
               <a:pPr>
                 <a:defRPr/>
               </a:pPr>
-              <a:t>18-Apr-20</a:t>
+              <a:t>02-May-20</a:t>
             </a:fld>
             <a:endParaRPr lang="en-IN" dirty="0"/>
           </a:p>
@@ -1128,7 +1128,7 @@
               <a:pPr>
                 <a:defRPr/>
               </a:pPr>
-              <a:t>18-Apr-20</a:t>
+              <a:t>02-May-20</a:t>
             </a:fld>
             <a:endParaRPr lang="en-US" dirty="0"/>
           </a:p>
@@ -1346,7 +1346,7 @@
               <a:pPr>
                 <a:defRPr/>
               </a:pPr>
-              <a:t>18-Apr-20</a:t>
+              <a:t>02-May-20</a:t>
             </a:fld>
             <a:endParaRPr lang="en-US" dirty="0"/>
           </a:p>
@@ -1566,7 +1566,7 @@
               <a:pPr>
                 <a:defRPr/>
               </a:pPr>
-              <a:t>18-Apr-20</a:t>
+              <a:t>02-May-20</a:t>
             </a:fld>
             <a:endParaRPr lang="en-US" dirty="0"/>
           </a:p>
@@ -1765,7 +1765,7 @@
               <a:pPr>
                 <a:defRPr/>
               </a:pPr>
-              <a:t>18-Apr-20</a:t>
+              <a:t>02-May-20</a:t>
             </a:fld>
             <a:endParaRPr lang="en-US" dirty="0"/>
           </a:p>
@@ -2099,7 +2099,7 @@
               <a:pPr>
                 <a:defRPr/>
               </a:pPr>
-              <a:t>18-Apr-20</a:t>
+              <a:t>02-May-20</a:t>
             </a:fld>
             <a:endParaRPr lang="en-US" dirty="0"/>
           </a:p>
@@ -2348,7 +2348,7 @@
               <a:pPr>
                 <a:defRPr/>
               </a:pPr>
-              <a:t>18-Apr-20</a:t>
+              <a:t>02-May-20</a:t>
             </a:fld>
             <a:endParaRPr lang="en-US" dirty="0"/>
           </a:p>
@@ -2588,7 +2588,7 @@
               <a:pPr>
                 <a:defRPr/>
               </a:pPr>
-              <a:t>18-Apr-20</a:t>
+              <a:t>02-May-20</a:t>
             </a:fld>
             <a:endParaRPr lang="en-US" dirty="0"/>
           </a:p>
@@ -2823,7 +2823,7 @@
               <a:pPr>
                 <a:defRPr/>
               </a:pPr>
-              <a:t>18-Apr-20</a:t>
+              <a:t>02-May-20</a:t>
             </a:fld>
             <a:endParaRPr lang="en-US" dirty="0"/>
           </a:p>
@@ -3158,7 +3158,7 @@
               <a:pPr>
                 <a:defRPr/>
               </a:pPr>
-              <a:t>18-Apr-20</a:t>
+              <a:t>02-May-20</a:t>
             </a:fld>
             <a:endParaRPr lang="en-US" dirty="0"/>
           </a:p>
@@ -3632,7 +3632,7 @@
               <a:pPr>
                 <a:defRPr/>
               </a:pPr>
-              <a:t>18-Apr-20</a:t>
+              <a:t>02-May-20</a:t>
             </a:fld>
             <a:endParaRPr lang="en-US" dirty="0"/>
           </a:p>
@@ -3795,7 +3795,7 @@
               <a:pPr>
                 <a:defRPr/>
               </a:pPr>
-              <a:t>18-Apr-20</a:t>
+              <a:t>02-May-20</a:t>
             </a:fld>
             <a:endParaRPr lang="en-US" dirty="0"/>
           </a:p>
@@ -3956,7 +3956,7 @@
               <a:pPr>
                 <a:defRPr/>
               </a:pPr>
-              <a:t>18-Apr-20</a:t>
+              <a:t>02-May-20</a:t>
             </a:fld>
             <a:endParaRPr lang="en-US" dirty="0"/>
           </a:p>
@@ -4269,7 +4269,7 @@
               <a:pPr>
                 <a:defRPr/>
               </a:pPr>
-              <a:t>18-Apr-20</a:t>
+              <a:t>02-May-20</a:t>
             </a:fld>
             <a:endParaRPr lang="en-US" dirty="0"/>
           </a:p>
@@ -4567,7 +4567,7 @@
               <a:pPr>
                 <a:defRPr/>
               </a:pPr>
-              <a:t>18-Apr-20</a:t>
+              <a:t>02-May-20</a:t>
             </a:fld>
             <a:endParaRPr lang="en-US" dirty="0"/>
           </a:p>
@@ -4849,7 +4849,7 @@
               <a:pPr>
                 <a:defRPr/>
               </a:pPr>
-              <a:t>18-Apr-20</a:t>
+              <a:t>02-May-20</a:t>
             </a:fld>
             <a:endParaRPr lang="en-US" dirty="0"/>
           </a:p>
@@ -5585,11 +5585,7 @@
             <a:pPr algn="ctr"/>
             <a:r>
               <a:rPr lang="en-US" dirty="0" smtClean="0"/>
-              <a:t>Credit Risk Analysis Using Machine Learning </a:t>
-            </a:r>
-            <a:r>
-              <a:rPr lang="en-US" dirty="0" smtClean="0"/>
-              <a:t>Algorithms</a:t>
+              <a:t>Credit Risk Analysis Using Machine Learning Algorithms</a:t>
             </a:r>
             <a:br>
               <a:rPr lang="en-US" dirty="0" smtClean="0"/>
@@ -5607,15 +5603,7 @@
                 <a:cs typeface="Times New Roman" pitchFamily="18" charset="0"/>
                 <a:hlinkClick r:id="rId3"/>
               </a:rPr>
-              <a:t>https</a:t>
-            </a:r>
-            <a:r>
-              <a:rPr lang="en-US" sz="2000" dirty="0" smtClean="0">
-                <a:latin typeface="Times New Roman" pitchFamily="18" charset="0"/>
-                <a:cs typeface="Times New Roman" pitchFamily="18" charset="0"/>
-                <a:hlinkClick r:id="rId3"/>
-              </a:rPr>
-              <a:t>://github.com/Credit-Risk-Analysis-Using-Boosting-Alg/A3_BATCH_2020</a:t>
+              <a:t>https://github.com/Credit-Risk-Analysis-Using-Boosting-Alg/A3_BATCH_2020</a:t>
             </a:r>
             <a:r>
               <a:rPr lang="en-US" dirty="0" smtClean="0"/>
@@ -5968,8 +5956,8 @@
         </p:nvSpPr>
         <p:spPr>
           <a:xfrm>
-            <a:off x="457200" y="1684357"/>
-            <a:ext cx="8229600" cy="4530725"/>
+            <a:off x="457200" y="1285861"/>
+            <a:ext cx="8229600" cy="4929222"/>
           </a:xfrm>
         </p:spPr>
         <p:txBody>
@@ -5984,7 +5972,14 @@
                 <a:latin typeface="Times New Roman" pitchFamily="18" charset="0"/>
                 <a:cs typeface="Times New Roman" pitchFamily="18" charset="0"/>
               </a:rPr>
-              <a:t>1.	Loading the dataset</a:t>
+              <a:t>1.	Loading </a:t>
+            </a:r>
+            <a:r>
+              <a:rPr lang="en-US" sz="2000" dirty="0" smtClean="0">
+                <a:latin typeface="Times New Roman" pitchFamily="18" charset="0"/>
+                <a:cs typeface="Times New Roman" pitchFamily="18" charset="0"/>
+              </a:rPr>
+              <a:t>the dataset</a:t>
             </a:r>
           </a:p>
           <a:p>
@@ -6030,19 +6025,14 @@
                 <a:latin typeface="Times New Roman" pitchFamily="18" charset="0"/>
                 <a:cs typeface="Times New Roman" pitchFamily="18" charset="0"/>
               </a:rPr>
-              <a:t>           b) Treating Correlated variables</a:t>
-            </a:r>
-          </a:p>
-          <a:p>
-            <a:pPr marL="514350" indent="-514350" algn="just">
-              <a:buNone/>
-            </a:pPr>
+              <a:t>           b) Treating Correlated </a:t>
+            </a:r>
             <a:r>
               <a:rPr lang="en-US" sz="2000" dirty="0" smtClean="0">
                 <a:latin typeface="Times New Roman" pitchFamily="18" charset="0"/>
                 <a:cs typeface="Times New Roman" pitchFamily="18" charset="0"/>
               </a:rPr>
-              <a:t>3.	Feature Importance</a:t>
+              <a:t>variables</a:t>
             </a:r>
           </a:p>
           <a:p>
@@ -6054,20 +6044,19 @@
                 <a:latin typeface="Times New Roman" pitchFamily="18" charset="0"/>
                 <a:cs typeface="Times New Roman" pitchFamily="18" charset="0"/>
               </a:rPr>
-              <a:t>4.	Data Splitting in to train and test datasets</a:t>
-            </a:r>
-          </a:p>
-          <a:p>
-            <a:pPr marL="514350" indent="-514350" algn="just">
-              <a:buNone/>
-            </a:pPr>
+              <a:t>3.     SMOTHE </a:t>
+            </a:r>
             <a:r>
               <a:rPr lang="en-US" sz="2000" dirty="0" smtClean="0">
                 <a:latin typeface="Times New Roman" pitchFamily="18" charset="0"/>
                 <a:cs typeface="Times New Roman" pitchFamily="18" charset="0"/>
               </a:rPr>
-              <a:t>5.	Fitting data on different algorithms</a:t>
-            </a:r>
+              <a:t>algorithm to over come imbalance data</a:t>
+            </a:r>
+            <a:endParaRPr lang="en-US" sz="2000" dirty="0" smtClean="0">
+              <a:latin typeface="Times New Roman" pitchFamily="18" charset="0"/>
+              <a:cs typeface="Times New Roman" pitchFamily="18" charset="0"/>
+            </a:endParaRPr>
           </a:p>
           <a:p>
             <a:pPr marL="514350" indent="-514350" algn="just">
@@ -6078,23 +6067,18 @@
                 <a:latin typeface="Times New Roman" pitchFamily="18" charset="0"/>
                 <a:cs typeface="Times New Roman" pitchFamily="18" charset="0"/>
               </a:rPr>
-              <a:t>6.	Cross validation </a:t>
-            </a:r>
-          </a:p>
-          <a:p>
-            <a:pPr marL="514350" indent="-514350" algn="just">
-              <a:buNone/>
-            </a:pPr>
+              <a:t>4.</a:t>
+            </a:r>
             <a:r>
               <a:rPr lang="en-US" sz="2000" dirty="0" smtClean="0">
                 <a:latin typeface="Times New Roman" pitchFamily="18" charset="0"/>
                 <a:cs typeface="Times New Roman" pitchFamily="18" charset="0"/>
               </a:rPr>
-              <a:t>7.	Hyper parameter tuning</a:t>
-            </a:r>
-          </a:p>
-          <a:p>
-            <a:pPr algn="just">
+              <a:t>	Feature Importance</a:t>
+            </a:r>
+          </a:p>
+          <a:p>
+            <a:pPr marL="514350" indent="-514350" algn="just">
               <a:buNone/>
             </a:pPr>
             <a:r>
@@ -6102,31 +6086,177 @@
                 <a:latin typeface="Times New Roman" pitchFamily="18" charset="0"/>
                 <a:cs typeface="Times New Roman" pitchFamily="18" charset="0"/>
               </a:rPr>
-              <a:t>8.	   Feature transformation</a:t>
-            </a:r>
-          </a:p>
-          <a:p>
-            <a:pPr algn="just">
-              <a:buNone/>
-            </a:pPr>
+              <a:t>5</a:t>
+            </a:r>
             <a:r>
               <a:rPr lang="en-US" sz="2000" dirty="0" smtClean="0">
                 <a:latin typeface="Times New Roman" pitchFamily="18" charset="0"/>
                 <a:cs typeface="Times New Roman" pitchFamily="18" charset="0"/>
               </a:rPr>
-              <a:t>9.	   Voting Ensemble methods</a:t>
-            </a:r>
-          </a:p>
-          <a:p>
-            <a:pPr algn="just">
-              <a:buNone/>
-            </a:pPr>
+              <a:t>.     Data </a:t>
+            </a:r>
             <a:r>
               <a:rPr lang="en-US" sz="2000" dirty="0" smtClean="0">
                 <a:latin typeface="Times New Roman" pitchFamily="18" charset="0"/>
                 <a:cs typeface="Times New Roman" pitchFamily="18" charset="0"/>
               </a:rPr>
-              <a:t>10.    Out of time validation</a:t>
+              <a:t>Splitting in to train and test </a:t>
+            </a:r>
+            <a:r>
+              <a:rPr lang="en-US" sz="2000" dirty="0" smtClean="0">
+                <a:latin typeface="Times New Roman" pitchFamily="18" charset="0"/>
+                <a:cs typeface="Times New Roman" pitchFamily="18" charset="0"/>
+              </a:rPr>
+              <a:t>datasets</a:t>
+            </a:r>
+          </a:p>
+          <a:p>
+            <a:pPr marL="514350" indent="-514350" algn="just">
+              <a:buNone/>
+            </a:pPr>
+            <a:r>
+              <a:rPr lang="en-US" sz="2000" dirty="0" smtClean="0">
+                <a:latin typeface="Times New Roman" pitchFamily="18" charset="0"/>
+                <a:cs typeface="Times New Roman" pitchFamily="18" charset="0"/>
+              </a:rPr>
+              <a:t>6.     </a:t>
+            </a:r>
+            <a:r>
+              <a:rPr lang="en-US" sz="2000" dirty="0" smtClean="0">
+                <a:latin typeface="Times New Roman" pitchFamily="18" charset="0"/>
+                <a:cs typeface="Times New Roman" pitchFamily="18" charset="0"/>
+              </a:rPr>
+              <a:t>Fitting </a:t>
+            </a:r>
+            <a:r>
+              <a:rPr lang="en-US" sz="2000" dirty="0" smtClean="0">
+                <a:latin typeface="Times New Roman" pitchFamily="18" charset="0"/>
+                <a:cs typeface="Times New Roman" pitchFamily="18" charset="0"/>
+              </a:rPr>
+              <a:t>data on different algorithms</a:t>
+            </a:r>
+          </a:p>
+          <a:p>
+            <a:pPr marL="514350" indent="-514350" algn="just">
+              <a:buNone/>
+            </a:pPr>
+            <a:r>
+              <a:rPr lang="en-US" sz="2000" dirty="0" smtClean="0">
+                <a:latin typeface="Times New Roman" pitchFamily="18" charset="0"/>
+                <a:cs typeface="Times New Roman" pitchFamily="18" charset="0"/>
+              </a:rPr>
+              <a:t>7.     </a:t>
+            </a:r>
+            <a:r>
+              <a:rPr lang="en-US" sz="2000" dirty="0" smtClean="0">
+                <a:latin typeface="Times New Roman" pitchFamily="18" charset="0"/>
+                <a:cs typeface="Times New Roman" pitchFamily="18" charset="0"/>
+              </a:rPr>
+              <a:t>Cross </a:t>
+            </a:r>
+            <a:r>
+              <a:rPr lang="en-US" sz="2000" dirty="0" smtClean="0">
+                <a:latin typeface="Times New Roman" pitchFamily="18" charset="0"/>
+                <a:cs typeface="Times New Roman" pitchFamily="18" charset="0"/>
+              </a:rPr>
+              <a:t>validation </a:t>
+            </a:r>
+          </a:p>
+          <a:p>
+            <a:pPr marL="514350" indent="-514350" algn="just">
+              <a:buNone/>
+            </a:pPr>
+            <a:r>
+              <a:rPr lang="en-US" sz="2000" dirty="0" smtClean="0">
+                <a:latin typeface="Times New Roman" pitchFamily="18" charset="0"/>
+                <a:cs typeface="Times New Roman" pitchFamily="18" charset="0"/>
+              </a:rPr>
+              <a:t>8.     </a:t>
+            </a:r>
+            <a:r>
+              <a:rPr lang="en-US" sz="2000" dirty="0" smtClean="0">
+                <a:latin typeface="Times New Roman" pitchFamily="18" charset="0"/>
+                <a:cs typeface="Times New Roman" pitchFamily="18" charset="0"/>
+              </a:rPr>
+              <a:t>Hyper </a:t>
+            </a:r>
+            <a:r>
+              <a:rPr lang="en-US" sz="2000" dirty="0" smtClean="0">
+                <a:latin typeface="Times New Roman" pitchFamily="18" charset="0"/>
+                <a:cs typeface="Times New Roman" pitchFamily="18" charset="0"/>
+              </a:rPr>
+              <a:t>parameter tuning</a:t>
+            </a:r>
+          </a:p>
+          <a:p>
+            <a:pPr algn="just">
+              <a:buNone/>
+            </a:pPr>
+            <a:r>
+              <a:rPr lang="en-US" sz="2000" dirty="0" smtClean="0">
+                <a:latin typeface="Times New Roman" pitchFamily="18" charset="0"/>
+                <a:cs typeface="Times New Roman" pitchFamily="18" charset="0"/>
+              </a:rPr>
+              <a:t>9.     </a:t>
+            </a:r>
+            <a:r>
+              <a:rPr lang="en-US" sz="2000" dirty="0" smtClean="0">
+                <a:latin typeface="Times New Roman" pitchFamily="18" charset="0"/>
+                <a:cs typeface="Times New Roman" pitchFamily="18" charset="0"/>
+              </a:rPr>
+              <a:t>Feature </a:t>
+            </a:r>
+            <a:r>
+              <a:rPr lang="en-US" sz="2000" dirty="0" smtClean="0">
+                <a:latin typeface="Times New Roman" pitchFamily="18" charset="0"/>
+                <a:cs typeface="Times New Roman" pitchFamily="18" charset="0"/>
+              </a:rPr>
+              <a:t>transformation</a:t>
+            </a:r>
+          </a:p>
+          <a:p>
+            <a:pPr algn="just">
+              <a:buNone/>
+            </a:pPr>
+            <a:r>
+              <a:rPr lang="en-US" sz="2000" dirty="0" smtClean="0">
+                <a:latin typeface="Times New Roman" pitchFamily="18" charset="0"/>
+                <a:cs typeface="Times New Roman" pitchFamily="18" charset="0"/>
+              </a:rPr>
+              <a:t>10.   </a:t>
+            </a:r>
+            <a:r>
+              <a:rPr lang="en-US" sz="2000" dirty="0" smtClean="0">
+                <a:latin typeface="Times New Roman" pitchFamily="18" charset="0"/>
+                <a:cs typeface="Times New Roman" pitchFamily="18" charset="0"/>
+              </a:rPr>
+              <a:t>Voting </a:t>
+            </a:r>
+            <a:r>
+              <a:rPr lang="en-US" sz="2000" dirty="0" smtClean="0">
+                <a:latin typeface="Times New Roman" pitchFamily="18" charset="0"/>
+                <a:cs typeface="Times New Roman" pitchFamily="18" charset="0"/>
+              </a:rPr>
+              <a:t>Ensemble methods</a:t>
+            </a:r>
+          </a:p>
+          <a:p>
+            <a:pPr algn="just">
+              <a:buNone/>
+            </a:pPr>
+            <a:r>
+              <a:rPr lang="en-US" sz="2000" dirty="0" smtClean="0">
+                <a:latin typeface="Times New Roman" pitchFamily="18" charset="0"/>
+                <a:cs typeface="Times New Roman" pitchFamily="18" charset="0"/>
+              </a:rPr>
+              <a:t>11.   </a:t>
+            </a:r>
+            <a:r>
+              <a:rPr lang="en-US" sz="2000" dirty="0" smtClean="0">
+                <a:latin typeface="Times New Roman" pitchFamily="18" charset="0"/>
+                <a:cs typeface="Times New Roman" pitchFamily="18" charset="0"/>
+              </a:rPr>
+              <a:t>Out of time validation</a:t>
             </a:r>
           </a:p>
           <a:p>
@@ -6302,9 +6432,45 @@
           <a:chExt cx="0" cy="0"/>
         </a:xfrm>
       </p:grpSpPr>
+      <p:sp>
+        <p:nvSpPr>
+          <p:cNvPr id="31" name="TextBox 30"/>
+          <p:cNvSpPr txBox="1"/>
+          <p:nvPr/>
+        </p:nvSpPr>
+        <p:spPr>
+          <a:xfrm>
+            <a:off x="1357290" y="928670"/>
+            <a:ext cx="2553904" cy="584775"/>
+          </a:xfrm>
+          <a:prstGeom prst="rect">
+            <a:avLst/>
+          </a:prstGeom>
+          <a:noFill/>
+        </p:spPr>
+        <p:txBody>
+          <a:bodyPr wrap="none" rtlCol="0">
+            <a:spAutoFit/>
+          </a:bodyPr>
+          <a:lstStyle/>
+          <a:p>
+            <a:r>
+              <a:rPr lang="en-US" sz="3200" dirty="0" smtClean="0">
+                <a:latin typeface="Times New Roman" pitchFamily="18" charset="0"/>
+                <a:cs typeface="Times New Roman" pitchFamily="18" charset="0"/>
+              </a:rPr>
+              <a:t>DFD(Level-1)</a:t>
+            </a:r>
+            <a:endParaRPr lang="en-US" sz="3200" dirty="0">
+              <a:latin typeface="Times New Roman" pitchFamily="18" charset="0"/>
+              <a:cs typeface="Times New Roman" pitchFamily="18" charset="0"/>
+            </a:endParaRPr>
+          </a:p>
+        </p:txBody>
+      </p:sp>
       <p:pic>
         <p:nvPicPr>
-          <p:cNvPr id="29" name="Picture 28" descr="Screenshot (72).png"/>
+          <p:cNvPr id="4" name="Picture 3" descr="Screenshot (80).png"/>
           <p:cNvPicPr>
             <a:picLocks noChangeAspect="1"/>
           </p:cNvPicPr>
@@ -6318,50 +6484,14 @@
         </p:blipFill>
         <p:spPr>
           <a:xfrm>
-            <a:off x="580467" y="1433234"/>
-            <a:ext cx="7983065" cy="3991532"/>
+            <a:off x="714348" y="2071678"/>
+            <a:ext cx="7830643" cy="4429744"/>
           </a:xfrm>
           <a:prstGeom prst="rect">
             <a:avLst/>
           </a:prstGeom>
         </p:spPr>
       </p:pic>
-      <p:sp>
-        <p:nvSpPr>
-          <p:cNvPr id="31" name="TextBox 30"/>
-          <p:cNvSpPr txBox="1"/>
-          <p:nvPr/>
-        </p:nvSpPr>
-        <p:spPr>
-          <a:xfrm>
-            <a:off x="1357290" y="928670"/>
-            <a:ext cx="2553904" cy="584775"/>
-          </a:xfrm>
-          <a:prstGeom prst="rect">
-            <a:avLst/>
-          </a:prstGeom>
-          <a:noFill/>
-        </p:spPr>
-        <p:txBody>
-          <a:bodyPr wrap="none" rtlCol="0">
-            <a:spAutoFit/>
-          </a:bodyPr>
-          <a:lstStyle/>
-          <a:p>
-            <a:r>
-              <a:rPr lang="en-US" sz="3200" dirty="0" smtClean="0">
-                <a:latin typeface="Times New Roman" pitchFamily="18" charset="0"/>
-                <a:cs typeface="Times New Roman" pitchFamily="18" charset="0"/>
-              </a:rPr>
-              <a:t>DFD(Level-1)</a:t>
-            </a:r>
-            <a:endParaRPr lang="en-US" sz="3200" dirty="0">
-              <a:latin typeface="Times New Roman" pitchFamily="18" charset="0"/>
-              <a:cs typeface="Times New Roman" pitchFamily="18" charset="0"/>
-            </a:endParaRPr>
-          </a:p>
-        </p:txBody>
-      </p:sp>
     </p:spTree>
   </p:cSld>
   <p:clrMapOvr>
@@ -6463,7 +6593,7 @@
       </p:sp>
       <p:pic>
         <p:nvPicPr>
-          <p:cNvPr id="4" name="Content Placeholder 3" descr="Screenshot (18).png"/>
+          <p:cNvPr id="6" name="Content Placeholder 5" descr="Screenshot (77).png"/>
           <p:cNvPicPr>
             <a:picLocks noGrp="1" noChangeAspect="1"/>
           </p:cNvPicPr>
@@ -6479,8 +6609,8 @@
         </p:blipFill>
         <p:spPr>
           <a:xfrm>
-            <a:off x="457200" y="1428736"/>
-            <a:ext cx="8686800" cy="4786346"/>
+            <a:off x="457200" y="1928802"/>
+            <a:ext cx="8229600" cy="4214842"/>
           </a:xfrm>
         </p:spPr>
       </p:pic>
@@ -6556,7 +6686,7 @@
       </p:sp>
       <p:pic>
         <p:nvPicPr>
-          <p:cNvPr id="4" name="Content Placeholder 3" descr="Screenshot (20).png"/>
+          <p:cNvPr id="6" name="Content Placeholder 5" descr="Screenshot (78).png"/>
           <p:cNvPicPr>
             <a:picLocks noGrp="1" noChangeAspect="1"/>
           </p:cNvPicPr>
@@ -6572,8 +6702,8 @@
         </p:blipFill>
         <p:spPr>
           <a:xfrm>
-            <a:off x="357158" y="1357298"/>
-            <a:ext cx="8786842" cy="4786346"/>
+            <a:off x="457200" y="1357298"/>
+            <a:ext cx="8229600" cy="4643470"/>
           </a:xfrm>
         </p:spPr>
       </p:pic>
@@ -6646,7 +6776,7 @@
       </p:sp>
       <p:pic>
         <p:nvPicPr>
-          <p:cNvPr id="4" name="Content Placeholder 3" descr="Screenshot (74).png"/>
+          <p:cNvPr id="6" name="Content Placeholder 5" descr="Screenshot (82).png"/>
           <p:cNvPicPr>
             <a:picLocks noGrp="1" noChangeAspect="1"/>
           </p:cNvPicPr>
@@ -6662,8 +6792,8 @@
         </p:blipFill>
         <p:spPr>
           <a:xfrm>
-            <a:off x="1928794" y="1571612"/>
-            <a:ext cx="5214973" cy="4500594"/>
+            <a:off x="857224" y="1285861"/>
+            <a:ext cx="7215238" cy="4727890"/>
           </a:xfrm>
         </p:spPr>
       </p:pic>
